--- a/Duncan530Week10FinalProject.pptx
+++ b/Duncan530Week10FinalProject.pptx
@@ -123,6 +123,11 @@
       </a:defRPr>
     </a:lvl9pPr>
   </p:defaultTextStyle>
+  <p:extLst>
+    <p:ext uri="{EFAFB233-063F-42B5-8137-9DF3F51BA10A}">
+      <p15:sldGuideLst xmlns:p15="http://schemas.microsoft.com/office/powerpoint/2012/main"/>
+    </p:ext>
+  </p:extLst>
 </p:presentation>
 </file>
 
@@ -400,7 +405,7 @@
           <a:p>
             <a:fld id="{78ABE3C1-DBE1-495D-B57B-2849774B866A}" type="datetimeFigureOut">
               <a:rPr lang="en-US" dirty="0"/>
-              <a:t>8/8/24</a:t>
+              <a:t>8/9/24</a:t>
             </a:fld>
             <a:endParaRPr lang="en-US" dirty="0"/>
           </a:p>
@@ -809,7 +814,7 @@
           <a:p>
             <a:fld id="{446C117F-5CCF-4837-BE5F-2B92066CAFAF}" type="datetimeFigureOut">
               <a:rPr lang="en-US" dirty="0"/>
-              <a:t>8/8/24</a:t>
+              <a:t>8/9/24</a:t>
             </a:fld>
             <a:endParaRPr lang="en-US" dirty="0"/>
           </a:p>
@@ -1140,7 +1145,7 @@
           <a:p>
             <a:fld id="{84EB90BD-B6CE-46B7-997F-7313B992CCDC}" type="datetimeFigureOut">
               <a:rPr lang="en-US" dirty="0"/>
-              <a:t>8/8/24</a:t>
+              <a:t>8/9/24</a:t>
             </a:fld>
             <a:endParaRPr lang="en-US" dirty="0"/>
           </a:p>
@@ -1540,7 +1545,7 @@
           <a:p>
             <a:fld id="{CDB9D11F-B188-461D-B23F-39381795C052}" type="datetimeFigureOut">
               <a:rPr lang="en-US" dirty="0"/>
-              <a:t>8/8/24</a:t>
+              <a:t>8/9/24</a:t>
             </a:fld>
             <a:endParaRPr lang="en-US" dirty="0"/>
           </a:p>
@@ -2103,7 +2108,7 @@
           <a:p>
             <a:fld id="{52E6D8D9-55A2-4063-B0F3-121F44549695}" type="datetimeFigureOut">
               <a:rPr lang="en-US" dirty="0"/>
-              <a:t>8/8/24</a:t>
+              <a:t>8/9/24</a:t>
             </a:fld>
             <a:endParaRPr lang="en-US" dirty="0"/>
           </a:p>
@@ -2779,7 +2784,7 @@
           <a:p>
             <a:fld id="{D4B24536-994D-4021-A283-9F449C0DB509}" type="datetimeFigureOut">
               <a:rPr lang="en-US" dirty="0"/>
-              <a:t>8/8/24</a:t>
+              <a:t>8/9/24</a:t>
             </a:fld>
             <a:endParaRPr lang="en-US" dirty="0"/>
           </a:p>
@@ -3687,7 +3692,7 @@
           <a:p>
             <a:fld id="{3CBBBB78-C96F-47B7-AB17-D852CA960AC9}" type="datetimeFigureOut">
               <a:rPr lang="en-US" dirty="0"/>
-              <a:t>8/8/24</a:t>
+              <a:t>8/9/24</a:t>
             </a:fld>
             <a:endParaRPr lang="en-US" dirty="0"/>
           </a:p>
@@ -3995,7 +4000,7 @@
           <a:p>
             <a:fld id="{1FA3F48C-C7C6-4055-9F49-3777875E72AE}" type="datetimeFigureOut">
               <a:rPr lang="en-US" dirty="0"/>
-              <a:t>8/8/24</a:t>
+              <a:t>8/9/24</a:t>
             </a:fld>
             <a:endParaRPr lang="en-US" dirty="0"/>
           </a:p>
@@ -4254,7 +4259,7 @@
           <a:p>
             <a:fld id="{6178E61D-D431-422C-9764-11DAFE33AB63}" type="datetimeFigureOut">
               <a:rPr lang="en-US" dirty="0"/>
-              <a:t>8/8/24</a:t>
+              <a:t>8/9/24</a:t>
             </a:fld>
             <a:endParaRPr lang="en-US" dirty="0"/>
           </a:p>
@@ -4573,7 +4578,7 @@
           <a:p>
             <a:fld id="{12DE42F4-6EEF-4EF7-8ED4-2208F0F89A08}" type="datetimeFigureOut">
               <a:rPr lang="en-US" dirty="0"/>
-              <a:t>8/8/24</a:t>
+              <a:t>8/9/24</a:t>
             </a:fld>
             <a:endParaRPr lang="en-US" dirty="0"/>
           </a:p>
@@ -4957,7 +4962,7 @@
           <a:p>
             <a:fld id="{30578ACC-22D6-47C1-A373-4FD133E34F3C}" type="datetimeFigureOut">
               <a:rPr lang="en-US" dirty="0"/>
-              <a:t>8/8/24</a:t>
+              <a:t>8/9/24</a:t>
             </a:fld>
             <a:endParaRPr lang="en-US" dirty="0"/>
           </a:p>
@@ -5328,7 +5333,7 @@
           <a:p>
             <a:fld id="{4E5A6C69-6797-4E8A-BF37-F2C3751466E9}" type="datetimeFigureOut">
               <a:rPr lang="en-US" dirty="0"/>
-              <a:t>8/8/24</a:t>
+              <a:t>8/9/24</a:t>
             </a:fld>
             <a:endParaRPr lang="en-US" dirty="0"/>
           </a:p>
@@ -5829,7 +5834,7 @@
           <a:p>
             <a:fld id="{D82014A1-A632-4878-A0D3-F52BA7563730}" type="datetimeFigureOut">
               <a:rPr lang="en-US" dirty="0"/>
-              <a:t>8/8/24</a:t>
+              <a:t>8/9/24</a:t>
             </a:fld>
             <a:endParaRPr lang="en-US" dirty="0"/>
           </a:p>
@@ -6081,7 +6086,7 @@
           <a:p>
             <a:fld id="{CE99F462-093F-4566-844B-4C71F2739DA5}" type="datetimeFigureOut">
               <a:rPr lang="en-US" dirty="0"/>
-              <a:t>8/8/24</a:t>
+              <a:t>8/9/24</a:t>
             </a:fld>
             <a:endParaRPr lang="en-US" dirty="0"/>
           </a:p>
@@ -6239,7 +6244,7 @@
           <a:p>
             <a:fld id="{3D24A7AC-904D-4781-85BA-7D10C17ED021}" type="datetimeFigureOut">
               <a:rPr lang="en-US" dirty="0"/>
-              <a:t>8/8/24</a:t>
+              <a:t>8/9/24</a:t>
             </a:fld>
             <a:endParaRPr lang="en-US" dirty="0"/>
           </a:p>
@@ -6624,7 +6629,7 @@
           <a:p>
             <a:fld id="{E331444B-B92B-4E27-8C94-BB93EAF5CB18}" type="datetimeFigureOut">
               <a:rPr lang="en-US" dirty="0"/>
-              <a:t>8/8/24</a:t>
+              <a:t>8/9/24</a:t>
             </a:fld>
             <a:endParaRPr lang="en-US" dirty="0"/>
           </a:p>
@@ -7028,7 +7033,7 @@
           <a:p>
             <a:fld id="{363EFA5E-FA76-400D-B3DC-F0BA90E6D107}" type="datetimeFigureOut">
               <a:rPr lang="en-US" dirty="0"/>
-              <a:t>8/8/24</a:t>
+              <a:t>8/9/24</a:t>
             </a:fld>
             <a:endParaRPr lang="en-US" dirty="0"/>
           </a:p>
@@ -7267,7 +7272,7 @@
           <a:p>
             <a:fld id="{9D6E9DEC-419B-4CC5-A080-3B06BD5A8291}" type="datetimeFigureOut">
               <a:rPr lang="en-US" dirty="0"/>
-              <a:t>8/8/24</a:t>
+              <a:t>8/9/24</a:t>
             </a:fld>
             <a:endParaRPr lang="en-US" dirty="0"/>
           </a:p>
@@ -7899,8 +7904,8 @@
         </p:blipFill>
         <p:spPr>
           <a:xfrm>
-            <a:off x="2819400" y="1339850"/>
-            <a:ext cx="6553200" cy="4178300"/>
+            <a:off x="196516" y="208880"/>
+            <a:ext cx="10102516" cy="6441333"/>
           </a:xfrm>
           <a:prstGeom prst="rect">
             <a:avLst/>
@@ -8049,8 +8054,8 @@
         </p:blipFill>
         <p:spPr>
           <a:xfrm>
-            <a:off x="2838450" y="1428750"/>
-            <a:ext cx="6515100" cy="4000500"/>
+            <a:off x="168442" y="177466"/>
+            <a:ext cx="10299032" cy="6323967"/>
           </a:xfrm>
           <a:prstGeom prst="rect">
             <a:avLst/>
@@ -8199,8 +8204,8 @@
         </p:blipFill>
         <p:spPr>
           <a:xfrm>
-            <a:off x="2952750" y="469900"/>
-            <a:ext cx="6286500" cy="5918200"/>
+            <a:off x="2303045" y="84320"/>
+            <a:ext cx="7105650" cy="6689359"/>
           </a:xfrm>
           <a:prstGeom prst="rect">
             <a:avLst/>
@@ -8259,8 +8264,8 @@
         </p:blipFill>
         <p:spPr>
           <a:xfrm>
-            <a:off x="3060700" y="431800"/>
-            <a:ext cx="6070600" cy="5994400"/>
+            <a:off x="2603500" y="120315"/>
+            <a:ext cx="6628380" cy="6545179"/>
           </a:xfrm>
           <a:prstGeom prst="rect">
             <a:avLst/>
@@ -8409,8 +8414,8 @@
         </p:blipFill>
         <p:spPr>
           <a:xfrm>
-            <a:off x="501650" y="2406650"/>
-            <a:ext cx="11188700" cy="2044700"/>
+            <a:off x="332797" y="2093495"/>
+            <a:ext cx="11526406" cy="3296653"/>
           </a:xfrm>
           <a:prstGeom prst="rect">
             <a:avLst/>
@@ -8661,8 +8666,8 @@
         </p:blipFill>
         <p:spPr>
           <a:xfrm>
-            <a:off x="1746250" y="1174750"/>
-            <a:ext cx="8699500" cy="4508500"/>
+            <a:off x="182144" y="515185"/>
+            <a:ext cx="10223365" cy="5827629"/>
           </a:xfrm>
           <a:prstGeom prst="rect">
             <a:avLst/>
@@ -8746,9 +8751,25 @@
         <p:spPr/>
         <p:txBody>
           <a:bodyPr>
-            <a:normAutofit fontScale="85000" lnSpcReduction="20000"/>
+            <a:normAutofit fontScale="77500" lnSpcReduction="20000"/>
           </a:bodyPr>
           <a:lstStyle/>
+          <a:p>
+            <a:pPr marL="0" indent="0">
+              <a:buNone/>
+            </a:pPr>
+            <a:r>
+              <a:rPr lang="en-US" dirty="0"/>
+              <a:t>GitHub: </a:t>
+            </a:r>
+            <a:r>
+              <a:rPr lang="en-US" dirty="0">
+                <a:hlinkClick r:id="rId2"/>
+              </a:rPr>
+              <a:t>https://github.com/taylorduncan/DSC530.git</a:t>
+            </a:r>
+            <a:endParaRPr lang="en-US" dirty="0"/>
+          </a:p>
           <a:p>
             <a:pPr marL="0" indent="0">
               <a:buNone/>
@@ -8950,8 +8971,8 @@
         </p:blipFill>
         <p:spPr>
           <a:xfrm>
-            <a:off x="2832100" y="260350"/>
-            <a:ext cx="6527800" cy="6337300"/>
+            <a:off x="2691397" y="123753"/>
+            <a:ext cx="6809205" cy="6610493"/>
           </a:xfrm>
           <a:prstGeom prst="rect">
             <a:avLst/>
@@ -9100,8 +9121,8 @@
         </p:blipFill>
         <p:spPr>
           <a:xfrm>
-            <a:off x="3422650" y="685800"/>
-            <a:ext cx="5346700" cy="5486400"/>
+            <a:off x="2743198" y="206708"/>
+            <a:ext cx="6280485" cy="6444583"/>
           </a:xfrm>
           <a:prstGeom prst="rect">
             <a:avLst/>
@@ -9246,8 +9267,8 @@
         </p:blipFill>
         <p:spPr>
           <a:xfrm>
-            <a:off x="2781300" y="1403350"/>
-            <a:ext cx="6629400" cy="4051300"/>
+            <a:off x="62709" y="192505"/>
+            <a:ext cx="10395284" cy="6352674"/>
           </a:xfrm>
           <a:prstGeom prst="rect">
             <a:avLst/>
